--- a/my_portion_of_presentation.pptx
+++ b/my_portion_of_presentation.pptx
@@ -106,6 +106,11 @@
       </a:defRPr>
     </a:lvl9pPr>
   </p:defaultTextStyle>
+  <p:extLst>
+    <p:ext uri="{EFAFB233-063F-42B5-8137-9DF3F51BA10A}">
+      <p15:sldGuideLst xmlns:p15="http://schemas.microsoft.com/office/powerpoint/2012/main"/>
+    </p:ext>
+  </p:extLst>
 </p:presentation>
 </file>
 
@@ -4083,7 +4088,7 @@
           <p:nvPr>
             <p:extLst>
               <p:ext uri="{D42A27DB-BD31-4B8C-83A1-F6EECF244321}">
-                <p14:modId xmlns:p14="http://schemas.microsoft.com/office/powerpoint/2010/main" val="3264570859"/>
+                <p14:modId xmlns:p14="http://schemas.microsoft.com/office/powerpoint/2010/main" val="1618388455"/>
               </p:ext>
             </p:extLst>
           </p:nvPr>
@@ -4147,7 +4152,7 @@
                           <a:effectLst/>
                           <a:latin typeface="Calibri" panose="020F0502020204030204" pitchFamily="34" charset="0"/>
                         </a:rPr>
-                        <a:t>The Guardian</a:t>
+                        <a:t>MORTAL KOMBAT X</a:t>
                       </a:r>
                     </a:p>
                   </a:txBody>
@@ -4167,14 +4172,14 @@
                     <a:p>
                       <a:pPr algn="ctr" fontAlgn="b"/>
                       <a:r>
-                        <a:rPr lang="en-US" sz="2400" b="0" i="0" u="none" strike="noStrike">
+                        <a:rPr lang="en-US" sz="2400" b="0" i="0" u="none" strike="noStrike" dirty="0">
                           <a:solidFill>
                             <a:srgbClr val="000000"/>
                           </a:solidFill>
                           <a:effectLst/>
                           <a:latin typeface="Calibri" panose="020F0502020204030204" pitchFamily="34" charset="0"/>
                         </a:rPr>
-                        <a:t>Instagram</a:t>
+                        <a:t>WGT Golf Game by Topgolf</a:t>
                       </a:r>
                     </a:p>
                   </a:txBody>
@@ -4201,7 +4206,7 @@
                           <a:effectLst/>
                           <a:latin typeface="Calibri" panose="020F0502020204030204" pitchFamily="34" charset="0"/>
                         </a:rPr>
-                        <a:t>Pinterest</a:t>
+                        <a:t>Swamp Attack</a:t>
                       </a:r>
                     </a:p>
                   </a:txBody>
